--- a/free-agenda-slides-powerpoint-templates.pptx
+++ b/free-agenda-slides-powerpoint-templates.pptx
@@ -5,7 +5,7 @@
     <p:sldMasterId id="2147483970" r:id="rId1"/>
   </p:sldMasterIdLst>
   <p:notesMasterIdLst>
-    <p:notesMasterId r:id="rId9"/>
+    <p:notesMasterId r:id="rId10"/>
   </p:notesMasterIdLst>
   <p:sldIdLst>
     <p:sldId id="3338" r:id="rId2"/>
@@ -15,6 +15,7 @@
     <p:sldId id="3339" r:id="rId6"/>
     <p:sldId id="3348" r:id="rId7"/>
     <p:sldId id="3346" r:id="rId8"/>
+    <p:sldId id="3352" r:id="rId9"/>
   </p:sldIdLst>
   <p:sldSz cx="24377650" cy="13716000"/>
   <p:notesSz cx="6858000" cy="9144000"/>
@@ -232,7 +233,7 @@
             <a:fld id="{EFC10EE1-B198-C942-8235-326C972CBB30}" type="datetimeFigureOut">
               <a:rPr lang="en-US" smtClean="0"/>
               <a:pPr/>
-              <a:t>8/26/2023</a:t>
+              <a:t>8/27/2023</a:t>
             </a:fld>
             <a:endParaRPr lang="en-US" dirty="0"/>
           </a:p>
@@ -33162,6 +33163,908 @@
 </p:sld>
 </file>
 
+<file path=ppt/slides/slide8.xml><?xml version="1.0" encoding="utf-8"?>
+<p:sld xmlns:a="http://schemas.openxmlformats.org/drawingml/2006/main" xmlns:r="http://schemas.openxmlformats.org/officeDocument/2006/relationships" xmlns:p="http://schemas.openxmlformats.org/presentationml/2006/main">
+  <p:cSld>
+    <p:spTree>
+      <p:nvGrpSpPr>
+        <p:cNvPr id="1" name=""/>
+        <p:cNvGrpSpPr/>
+        <p:nvPr/>
+      </p:nvGrpSpPr>
+      <p:grpSpPr>
+        <a:xfrm>
+          <a:off x="0" y="0"/>
+          <a:ext cx="0" cy="0"/>
+          <a:chOff x="0" y="0"/>
+          <a:chExt cx="0" cy="0"/>
+        </a:xfrm>
+      </p:grpSpPr>
+      <p:graphicFrame>
+        <p:nvGraphicFramePr>
+          <p:cNvPr id="6" name="Table 5">
+            <a:extLst>
+              <a:ext uri="{FF2B5EF4-FFF2-40B4-BE49-F238E27FC236}">
+                <a16:creationId xmlns:a16="http://schemas.microsoft.com/office/drawing/2014/main" id="{8A033C3E-859A-FAED-9790-6419650318E4}"/>
+              </a:ext>
+            </a:extLst>
+          </p:cNvPr>
+          <p:cNvGraphicFramePr>
+            <a:graphicFrameLocks noGrp="1"/>
+          </p:cNvGraphicFramePr>
+          <p:nvPr>
+            <p:extLst>
+              <p:ext uri="{D42A27DB-BD31-4B8C-83A1-F6EECF244321}">
+                <p14:modId xmlns:p14="http://schemas.microsoft.com/office/powerpoint/2010/main" val="3629589673"/>
+              </p:ext>
+            </p:extLst>
+          </p:nvPr>
+        </p:nvGraphicFramePr>
+        <p:xfrm>
+          <a:off x="1442720" y="1921425"/>
+          <a:ext cx="21670445" cy="11022415"/>
+        </p:xfrm>
+        <a:graphic>
+          <a:graphicData uri="http://schemas.openxmlformats.org/drawingml/2006/table">
+            <a:tbl>
+              <a:tblPr firstRow="1" bandRow="1">
+                <a:tableStyleId>{3B4B98B0-60AC-42C2-AFA5-B58CD77FA1E5}</a:tableStyleId>
+              </a:tblPr>
+              <a:tblGrid>
+                <a:gridCol w="4334089">
+                  <a:extLst>
+                    <a:ext uri="{9D8B030D-6E8A-4147-A177-3AD203B41FA5}">
+                      <a16:colId xmlns:a16="http://schemas.microsoft.com/office/drawing/2014/main" val="3903762798"/>
+                    </a:ext>
+                  </a:extLst>
+                </a:gridCol>
+                <a:gridCol w="4334089">
+                  <a:extLst>
+                    <a:ext uri="{9D8B030D-6E8A-4147-A177-3AD203B41FA5}">
+                      <a16:colId xmlns:a16="http://schemas.microsoft.com/office/drawing/2014/main" val="1311014540"/>
+                    </a:ext>
+                  </a:extLst>
+                </a:gridCol>
+                <a:gridCol w="4334089">
+                  <a:extLst>
+                    <a:ext uri="{9D8B030D-6E8A-4147-A177-3AD203B41FA5}">
+                      <a16:colId xmlns:a16="http://schemas.microsoft.com/office/drawing/2014/main" val="3763211727"/>
+                    </a:ext>
+                  </a:extLst>
+                </a:gridCol>
+                <a:gridCol w="4334089">
+                  <a:extLst>
+                    <a:ext uri="{9D8B030D-6E8A-4147-A177-3AD203B41FA5}">
+                      <a16:colId xmlns:a16="http://schemas.microsoft.com/office/drawing/2014/main" val="4200972209"/>
+                    </a:ext>
+                  </a:extLst>
+                </a:gridCol>
+                <a:gridCol w="4334089">
+                  <a:extLst>
+                    <a:ext uri="{9D8B030D-6E8A-4147-A177-3AD203B41FA5}">
+                      <a16:colId xmlns:a16="http://schemas.microsoft.com/office/drawing/2014/main" val="2637809599"/>
+                    </a:ext>
+                  </a:extLst>
+                </a:gridCol>
+              </a:tblGrid>
+              <a:tr h="1072124">
+                <a:tc>
+                  <a:txBody>
+                    <a:bodyPr/>
+                    <a:lstStyle/>
+                    <a:p>
+                      <a:pPr algn="ctr" fontAlgn="b"/>
+                      <a:r>
+                        <a:rPr lang="en-IN" sz="2800" b="1" cap="all" dirty="0">
+                          <a:effectLst/>
+                        </a:rPr>
+                        <a:t>OPTIONS</a:t>
+                      </a:r>
+                      <a:endParaRPr lang="en-IN" sz="2800" b="1" cap="all" dirty="0">
+                        <a:effectLst/>
+                        <a:latin typeface="inherit"/>
+                      </a:endParaRPr>
+                    </a:p>
+                  </a:txBody>
+                  <a:tcPr anchor="ctr"/>
+                </a:tc>
+                <a:tc>
+                  <a:txBody>
+                    <a:bodyPr/>
+                    <a:lstStyle/>
+                    <a:p>
+                      <a:pPr algn="ctr" fontAlgn="b"/>
+                      <a:r>
+                        <a:rPr lang="en-IN" sz="2800" b="1" cap="all" dirty="0">
+                          <a:effectLst/>
+                        </a:rPr>
+                        <a:t>MAIN CHARACTERISTICS</a:t>
+                      </a:r>
+                      <a:endParaRPr lang="en-IN" sz="2800" b="1" cap="all" dirty="0">
+                        <a:effectLst/>
+                        <a:latin typeface="inherit"/>
+                      </a:endParaRPr>
+                    </a:p>
+                  </a:txBody>
+                  <a:tcPr anchor="ctr"/>
+                </a:tc>
+                <a:tc>
+                  <a:txBody>
+                    <a:bodyPr/>
+                    <a:lstStyle/>
+                    <a:p>
+                      <a:pPr algn="ctr" fontAlgn="b"/>
+                      <a:r>
+                        <a:rPr lang="en-IN" sz="2800" b="1" cap="all" dirty="0">
+                          <a:effectLst/>
+                        </a:rPr>
+                        <a:t>PROS</a:t>
+                      </a:r>
+                      <a:endParaRPr lang="en-IN" sz="2800" b="1" cap="all" dirty="0">
+                        <a:effectLst/>
+                        <a:latin typeface="inherit"/>
+                      </a:endParaRPr>
+                    </a:p>
+                  </a:txBody>
+                  <a:tcPr anchor="ctr"/>
+                </a:tc>
+                <a:tc>
+                  <a:txBody>
+                    <a:bodyPr/>
+                    <a:lstStyle/>
+                    <a:p>
+                      <a:pPr algn="ctr" fontAlgn="b"/>
+                      <a:r>
+                        <a:rPr lang="en-IN" sz="2800" b="1" cap="all" dirty="0">
+                          <a:effectLst/>
+                        </a:rPr>
+                        <a:t>CONS</a:t>
+                      </a:r>
+                      <a:endParaRPr lang="en-IN" sz="2800" b="1" cap="all" dirty="0">
+                        <a:effectLst/>
+                        <a:latin typeface="inherit"/>
+                      </a:endParaRPr>
+                    </a:p>
+                  </a:txBody>
+                  <a:tcPr anchor="ctr"/>
+                </a:tc>
+                <a:tc>
+                  <a:txBody>
+                    <a:bodyPr/>
+                    <a:lstStyle/>
+                    <a:p>
+                      <a:pPr algn="ctr" fontAlgn="b"/>
+                      <a:r>
+                        <a:rPr lang="en-IN" sz="2800" b="1" cap="all" dirty="0">
+                          <a:effectLst/>
+                        </a:rPr>
+                        <a:t>WHEN TO USE</a:t>
+                      </a:r>
+                      <a:endParaRPr lang="en-IN" sz="2800" b="1" cap="all" dirty="0">
+                        <a:effectLst/>
+                        <a:latin typeface="inherit"/>
+                      </a:endParaRPr>
+                    </a:p>
+                  </a:txBody>
+                  <a:tcPr anchor="ctr"/>
+                </a:tc>
+                <a:extLst>
+                  <a:ext uri="{0D108BD9-81ED-4DB2-BD59-A6C34878D82A}">
+                    <a16:rowId xmlns:a16="http://schemas.microsoft.com/office/drawing/2014/main" val="2672971515"/>
+                  </a:ext>
+                </a:extLst>
+              </a:tr>
+              <a:tr h="1566942">
+                <a:tc>
+                  <a:txBody>
+                    <a:bodyPr/>
+                    <a:lstStyle/>
+                    <a:p>
+                      <a:pPr algn="ctr" fontAlgn="base"/>
+                      <a:r>
+                        <a:rPr lang="en-IN" sz="3200" b="0" dirty="0">
+                          <a:effectLst/>
+                        </a:rPr>
+                        <a:t>Pure CSS</a:t>
+                      </a:r>
+                      <a:endParaRPr lang="en-IN" sz="3200" b="0" dirty="0">
+                        <a:effectLst/>
+                        <a:latin typeface="inherit"/>
+                      </a:endParaRPr>
+                    </a:p>
+                  </a:txBody>
+                  <a:tcPr anchor="ctr"/>
+                </a:tc>
+                <a:tc>
+                  <a:txBody>
+                    <a:bodyPr/>
+                    <a:lstStyle/>
+                    <a:p>
+                      <a:pPr fontAlgn="base"/>
+                      <a:r>
+                        <a:rPr lang="en-IN" sz="2800" dirty="0">
+                          <a:effectLst/>
+                        </a:rPr>
+                        <a:t>Traditional approach with global CSS files</a:t>
+                      </a:r>
+                      <a:endParaRPr lang="en-IN" sz="2800" dirty="0">
+                        <a:effectLst/>
+                        <a:latin typeface="inherit"/>
+                      </a:endParaRPr>
+                    </a:p>
+                  </a:txBody>
+                  <a:tcPr/>
+                </a:tc>
+                <a:tc>
+                  <a:txBody>
+                    <a:bodyPr/>
+                    <a:lstStyle/>
+                    <a:p>
+                      <a:pPr fontAlgn="base"/>
+                      <a:r>
+                        <a:rPr lang="en-IN" sz="2800">
+                          <a:effectLst/>
+                        </a:rPr>
+                        <a:t>Simple and familiar</a:t>
+                      </a:r>
+                      <a:endParaRPr lang="en-IN" sz="2800">
+                        <a:effectLst/>
+                        <a:latin typeface="inherit"/>
+                      </a:endParaRPr>
+                    </a:p>
+                  </a:txBody>
+                  <a:tcPr/>
+                </a:tc>
+                <a:tc>
+                  <a:txBody>
+                    <a:bodyPr/>
+                    <a:lstStyle/>
+                    <a:p>
+                      <a:pPr fontAlgn="base"/>
+                      <a:r>
+                        <a:rPr lang="en-IN" sz="2800">
+                          <a:effectLst/>
+                        </a:rPr>
+                        <a:t>Lack of encapsulation and potential for class name collisions</a:t>
+                      </a:r>
+                      <a:endParaRPr lang="en-IN" sz="2800">
+                        <a:effectLst/>
+                        <a:latin typeface="inherit"/>
+                      </a:endParaRPr>
+                    </a:p>
+                  </a:txBody>
+                  <a:tcPr/>
+                </a:tc>
+                <a:tc>
+                  <a:txBody>
+                    <a:bodyPr/>
+                    <a:lstStyle/>
+                    <a:p>
+                      <a:pPr fontAlgn="base"/>
+                      <a:r>
+                        <a:rPr lang="en-IN" sz="2800">
+                          <a:effectLst/>
+                        </a:rPr>
+                        <a:t>Small projects or when CSS customization is the main focus</a:t>
+                      </a:r>
+                      <a:endParaRPr lang="en-IN" sz="2800">
+                        <a:effectLst/>
+                        <a:latin typeface="inherit"/>
+                      </a:endParaRPr>
+                    </a:p>
+                  </a:txBody>
+                  <a:tcPr/>
+                </a:tc>
+                <a:extLst>
+                  <a:ext uri="{0D108BD9-81ED-4DB2-BD59-A6C34878D82A}">
+                    <a16:rowId xmlns:a16="http://schemas.microsoft.com/office/drawing/2014/main" val="4144504029"/>
+                  </a:ext>
+                </a:extLst>
+              </a:tr>
+              <a:tr h="1566942">
+                <a:tc>
+                  <a:txBody>
+                    <a:bodyPr/>
+                    <a:lstStyle/>
+                    <a:p>
+                      <a:pPr algn="ctr" fontAlgn="base"/>
+                      <a:r>
+                        <a:rPr lang="en-IN" sz="3200" b="0" dirty="0">
+                          <a:effectLst/>
+                        </a:rPr>
+                        <a:t>CSS Modules</a:t>
+                      </a:r>
+                      <a:endParaRPr lang="en-IN" sz="3200" b="0" dirty="0">
+                        <a:effectLst/>
+                        <a:latin typeface="inherit"/>
+                      </a:endParaRPr>
+                    </a:p>
+                  </a:txBody>
+                  <a:tcPr anchor="ctr"/>
+                </a:tc>
+                <a:tc>
+                  <a:txBody>
+                    <a:bodyPr/>
+                    <a:lstStyle/>
+                    <a:p>
+                      <a:pPr fontAlgn="base"/>
+                      <a:r>
+                        <a:rPr lang="en-IN" sz="2800" dirty="0">
+                          <a:effectLst/>
+                        </a:rPr>
+                        <a:t>CSS files with locally scoped class names</a:t>
+                      </a:r>
+                      <a:endParaRPr lang="en-IN" sz="2800" dirty="0">
+                        <a:effectLst/>
+                        <a:latin typeface="inherit"/>
+                      </a:endParaRPr>
+                    </a:p>
+                  </a:txBody>
+                  <a:tcPr/>
+                </a:tc>
+                <a:tc>
+                  <a:txBody>
+                    <a:bodyPr/>
+                    <a:lstStyle/>
+                    <a:p>
+                      <a:pPr fontAlgn="base"/>
+                      <a:r>
+                        <a:rPr lang="en-IN" sz="2800">
+                          <a:effectLst/>
+                        </a:rPr>
+                        <a:t>Scoped styles and prevents class name clashes</a:t>
+                      </a:r>
+                      <a:endParaRPr lang="en-IN" sz="2800">
+                        <a:effectLst/>
+                        <a:latin typeface="inherit"/>
+                      </a:endParaRPr>
+                    </a:p>
+                  </a:txBody>
+                  <a:tcPr/>
+                </a:tc>
+                <a:tc>
+                  <a:txBody>
+                    <a:bodyPr/>
+                    <a:lstStyle/>
+                    <a:p>
+                      <a:pPr fontAlgn="base"/>
+                      <a:r>
+                        <a:rPr lang="en-IN" sz="2800">
+                          <a:effectLst/>
+                        </a:rPr>
+                        <a:t>Requires importing and referencing unique class names</a:t>
+                      </a:r>
+                      <a:endParaRPr lang="en-IN" sz="2800">
+                        <a:effectLst/>
+                        <a:latin typeface="inherit"/>
+                      </a:endParaRPr>
+                    </a:p>
+                  </a:txBody>
+                  <a:tcPr/>
+                </a:tc>
+                <a:tc>
+                  <a:txBody>
+                    <a:bodyPr/>
+                    <a:lstStyle/>
+                    <a:p>
+                      <a:pPr fontAlgn="base"/>
+                      <a:r>
+                        <a:rPr lang="en-IN" sz="2800">
+                          <a:effectLst/>
+                        </a:rPr>
+                        <a:t>Medium-sized projects requiring style encapsulation</a:t>
+                      </a:r>
+                      <a:endParaRPr lang="en-IN" sz="2800">
+                        <a:effectLst/>
+                        <a:latin typeface="inherit"/>
+                      </a:endParaRPr>
+                    </a:p>
+                  </a:txBody>
+                  <a:tcPr/>
+                </a:tc>
+                <a:extLst>
+                  <a:ext uri="{0D108BD9-81ED-4DB2-BD59-A6C34878D82A}">
+                    <a16:rowId xmlns:a16="http://schemas.microsoft.com/office/drawing/2014/main" val="3266203093"/>
+                  </a:ext>
+                </a:extLst>
+              </a:tr>
+              <a:tr h="1566942">
+                <a:tc>
+                  <a:txBody>
+                    <a:bodyPr/>
+                    <a:lstStyle/>
+                    <a:p>
+                      <a:pPr algn="ctr" fontAlgn="base"/>
+                      <a:r>
+                        <a:rPr lang="en-IN" sz="3200" b="0" dirty="0">
+                          <a:effectLst/>
+                        </a:rPr>
+                        <a:t>CSS Preprocessors </a:t>
+                      </a:r>
+                    </a:p>
+                    <a:p>
+                      <a:pPr algn="ctr" fontAlgn="base"/>
+                      <a:r>
+                        <a:rPr lang="en-IN" sz="3200" b="0" dirty="0">
+                          <a:effectLst/>
+                        </a:rPr>
+                        <a:t>(e.g., Sass, Less)</a:t>
+                      </a:r>
+                      <a:endParaRPr lang="en-IN" sz="3200" b="0" dirty="0">
+                        <a:effectLst/>
+                        <a:latin typeface="inherit"/>
+                      </a:endParaRPr>
+                    </a:p>
+                  </a:txBody>
+                  <a:tcPr anchor="ctr"/>
+                </a:tc>
+                <a:tc>
+                  <a:txBody>
+                    <a:bodyPr/>
+                    <a:lstStyle/>
+                    <a:p>
+                      <a:pPr fontAlgn="base"/>
+                      <a:r>
+                        <a:rPr lang="en-IN" sz="2800">
+                          <a:effectLst/>
+                        </a:rPr>
+                        <a:t>Enhanced CSS syntax with variables, mixins, etc.</a:t>
+                      </a:r>
+                      <a:endParaRPr lang="en-IN" sz="2800">
+                        <a:effectLst/>
+                        <a:latin typeface="inherit"/>
+                      </a:endParaRPr>
+                    </a:p>
+                  </a:txBody>
+                  <a:tcPr/>
+                </a:tc>
+                <a:tc>
+                  <a:txBody>
+                    <a:bodyPr/>
+                    <a:lstStyle/>
+                    <a:p>
+                      <a:pPr fontAlgn="base"/>
+                      <a:r>
+                        <a:rPr lang="en-IN" sz="2800">
+                          <a:effectLst/>
+                        </a:rPr>
+                        <a:t>Reusable code, modular and maintainable styles</a:t>
+                      </a:r>
+                      <a:endParaRPr lang="en-IN" sz="2800">
+                        <a:effectLst/>
+                        <a:latin typeface="inherit"/>
+                      </a:endParaRPr>
+                    </a:p>
+                  </a:txBody>
+                  <a:tcPr/>
+                </a:tc>
+                <a:tc>
+                  <a:txBody>
+                    <a:bodyPr/>
+                    <a:lstStyle/>
+                    <a:p>
+                      <a:pPr fontAlgn="base"/>
+                      <a:r>
+                        <a:rPr lang="en-IN" sz="2800">
+                          <a:effectLst/>
+                        </a:rPr>
+                        <a:t>Build process needed for compilation</a:t>
+                      </a:r>
+                      <a:endParaRPr lang="en-IN" sz="2800">
+                        <a:effectLst/>
+                        <a:latin typeface="inherit"/>
+                      </a:endParaRPr>
+                    </a:p>
+                  </a:txBody>
+                  <a:tcPr/>
+                </a:tc>
+                <a:tc>
+                  <a:txBody>
+                    <a:bodyPr/>
+                    <a:lstStyle/>
+                    <a:p>
+                      <a:pPr fontAlgn="base"/>
+                      <a:r>
+                        <a:rPr lang="en-IN" sz="2800">
+                          <a:effectLst/>
+                        </a:rPr>
+                        <a:t>Projects that benefit from enhanced CSS syntax</a:t>
+                      </a:r>
+                      <a:endParaRPr lang="en-IN" sz="2800">
+                        <a:effectLst/>
+                        <a:latin typeface="inherit"/>
+                      </a:endParaRPr>
+                    </a:p>
+                  </a:txBody>
+                  <a:tcPr/>
+                </a:tc>
+                <a:extLst>
+                  <a:ext uri="{0D108BD9-81ED-4DB2-BD59-A6C34878D82A}">
+                    <a16:rowId xmlns:a16="http://schemas.microsoft.com/office/drawing/2014/main" val="3923843686"/>
+                  </a:ext>
+                </a:extLst>
+              </a:tr>
+              <a:tr h="1566942">
+                <a:tc>
+                  <a:txBody>
+                    <a:bodyPr/>
+                    <a:lstStyle/>
+                    <a:p>
+                      <a:pPr algn="ctr" fontAlgn="base"/>
+                      <a:r>
+                        <a:rPr lang="en-IN" sz="3200" b="0" dirty="0">
+                          <a:effectLst/>
+                        </a:rPr>
+                        <a:t>Tailwind CSS</a:t>
+                      </a:r>
+                      <a:endParaRPr lang="en-IN" sz="3200" b="0" dirty="0">
+                        <a:effectLst/>
+                        <a:latin typeface="inherit"/>
+                      </a:endParaRPr>
+                    </a:p>
+                  </a:txBody>
+                  <a:tcPr anchor="ctr"/>
+                </a:tc>
+                <a:tc>
+                  <a:txBody>
+                    <a:bodyPr/>
+                    <a:lstStyle/>
+                    <a:p>
+                      <a:pPr fontAlgn="base"/>
+                      <a:r>
+                        <a:rPr lang="en-IN" sz="2800">
+                          <a:effectLst/>
+                        </a:rPr>
+                        <a:t>Utility-based CSS framework</a:t>
+                      </a:r>
+                      <a:endParaRPr lang="en-IN" sz="2800">
+                        <a:effectLst/>
+                        <a:latin typeface="inherit"/>
+                      </a:endParaRPr>
+                    </a:p>
+                  </a:txBody>
+                  <a:tcPr/>
+                </a:tc>
+                <a:tc>
+                  <a:txBody>
+                    <a:bodyPr/>
+                    <a:lstStyle/>
+                    <a:p>
+                      <a:pPr fontAlgn="base"/>
+                      <a:r>
+                        <a:rPr lang="en-IN" sz="2800">
+                          <a:effectLst/>
+                        </a:rPr>
+                        <a:t>Rapid development, consistent styling, extensive utility classes</a:t>
+                      </a:r>
+                      <a:endParaRPr lang="en-IN" sz="2800">
+                        <a:effectLst/>
+                        <a:latin typeface="inherit"/>
+                      </a:endParaRPr>
+                    </a:p>
+                  </a:txBody>
+                  <a:tcPr/>
+                </a:tc>
+                <a:tc>
+                  <a:txBody>
+                    <a:bodyPr/>
+                    <a:lstStyle/>
+                    <a:p>
+                      <a:pPr fontAlgn="base"/>
+                      <a:r>
+                        <a:rPr lang="en-IN" sz="2800">
+                          <a:effectLst/>
+                        </a:rPr>
+                        <a:t>Large file size due to utility classes</a:t>
+                      </a:r>
+                      <a:endParaRPr lang="en-IN" sz="2800">
+                        <a:effectLst/>
+                        <a:latin typeface="inherit"/>
+                      </a:endParaRPr>
+                    </a:p>
+                  </a:txBody>
+                  <a:tcPr/>
+                </a:tc>
+                <a:tc>
+                  <a:txBody>
+                    <a:bodyPr/>
+                    <a:lstStyle/>
+                    <a:p>
+                      <a:pPr fontAlgn="base"/>
+                      <a:r>
+                        <a:rPr lang="en-IN" sz="2800">
+                          <a:effectLst/>
+                        </a:rPr>
+                        <a:t>Prototyping or projects where rapid development is crucial</a:t>
+                      </a:r>
+                      <a:endParaRPr lang="en-IN" sz="2800">
+                        <a:effectLst/>
+                        <a:latin typeface="inherit"/>
+                      </a:endParaRPr>
+                    </a:p>
+                  </a:txBody>
+                  <a:tcPr/>
+                </a:tc>
+                <a:extLst>
+                  <a:ext uri="{0D108BD9-81ED-4DB2-BD59-A6C34878D82A}">
+                    <a16:rowId xmlns:a16="http://schemas.microsoft.com/office/drawing/2014/main" val="1693924106"/>
+                  </a:ext>
+                </a:extLst>
+              </a:tr>
+              <a:tr h="1944443">
+                <a:tc>
+                  <a:txBody>
+                    <a:bodyPr/>
+                    <a:lstStyle/>
+                    <a:p>
+                      <a:pPr algn="ctr" fontAlgn="base"/>
+                      <a:r>
+                        <a:rPr lang="en-IN" sz="3200" b="0" dirty="0">
+                          <a:effectLst/>
+                        </a:rPr>
+                        <a:t>CSS-in-JS</a:t>
+                      </a:r>
+                      <a:endParaRPr lang="en-IN" sz="3200" b="0" dirty="0">
+                        <a:effectLst/>
+                        <a:latin typeface="inherit"/>
+                      </a:endParaRPr>
+                    </a:p>
+                  </a:txBody>
+                  <a:tcPr anchor="ctr"/>
+                </a:tc>
+                <a:tc>
+                  <a:txBody>
+                    <a:bodyPr/>
+                    <a:lstStyle/>
+                    <a:p>
+                      <a:pPr fontAlgn="base"/>
+                      <a:r>
+                        <a:rPr lang="en-IN" sz="2800" dirty="0">
+                          <a:effectLst/>
+                        </a:rPr>
+                        <a:t>Writing CSS directly in JavaScript using libraries like Styled Components or Emotion</a:t>
+                      </a:r>
+                      <a:endParaRPr lang="en-IN" sz="2800" dirty="0">
+                        <a:effectLst/>
+                        <a:latin typeface="inherit"/>
+                      </a:endParaRPr>
+                    </a:p>
+                  </a:txBody>
+                  <a:tcPr/>
+                </a:tc>
+                <a:tc>
+                  <a:txBody>
+                    <a:bodyPr/>
+                    <a:lstStyle/>
+                    <a:p>
+                      <a:pPr fontAlgn="base"/>
+                      <a:r>
+                        <a:rPr lang="en-IN" sz="2800" dirty="0">
+                          <a:effectLst/>
+                        </a:rPr>
+                        <a:t>Component-based styles, dynamic styling, props-based styles</a:t>
+                      </a:r>
+                      <a:endParaRPr lang="en-IN" sz="2800" dirty="0">
+                        <a:effectLst/>
+                        <a:latin typeface="inherit"/>
+                      </a:endParaRPr>
+                    </a:p>
+                  </a:txBody>
+                  <a:tcPr/>
+                </a:tc>
+                <a:tc>
+                  <a:txBody>
+                    <a:bodyPr/>
+                    <a:lstStyle/>
+                    <a:p>
+                      <a:pPr fontAlgn="base"/>
+                      <a:r>
+                        <a:rPr lang="en-IN" sz="2800">
+                          <a:effectLst/>
+                        </a:rPr>
+                        <a:t>Increased bundle size, additional learning curve</a:t>
+                      </a:r>
+                      <a:endParaRPr lang="en-IN" sz="2800">
+                        <a:effectLst/>
+                        <a:latin typeface="inherit"/>
+                      </a:endParaRPr>
+                    </a:p>
+                  </a:txBody>
+                  <a:tcPr/>
+                </a:tc>
+                <a:tc>
+                  <a:txBody>
+                    <a:bodyPr/>
+                    <a:lstStyle/>
+                    <a:p>
+                      <a:pPr fontAlgn="base"/>
+                      <a:r>
+                        <a:rPr lang="en-IN" sz="2800">
+                          <a:effectLst/>
+                        </a:rPr>
+                        <a:t>Projects with complex or dynamic styling requirements</a:t>
+                      </a:r>
+                      <a:endParaRPr lang="en-IN" sz="2800">
+                        <a:effectLst/>
+                        <a:latin typeface="inherit"/>
+                      </a:endParaRPr>
+                    </a:p>
+                  </a:txBody>
+                  <a:tcPr/>
+                </a:tc>
+                <a:extLst>
+                  <a:ext uri="{0D108BD9-81ED-4DB2-BD59-A6C34878D82A}">
+                    <a16:rowId xmlns:a16="http://schemas.microsoft.com/office/drawing/2014/main" val="2640448771"/>
+                  </a:ext>
+                </a:extLst>
+              </a:tr>
+              <a:tr h="1738080">
+                <a:tc>
+                  <a:txBody>
+                    <a:bodyPr/>
+                    <a:lstStyle/>
+                    <a:p>
+                      <a:pPr algn="ctr" fontAlgn="base"/>
+                      <a:r>
+                        <a:rPr lang="en-IN" sz="3200" b="0" dirty="0">
+                          <a:effectLst/>
+                        </a:rPr>
+                        <a:t>Component Libraries </a:t>
+                      </a:r>
+                    </a:p>
+                    <a:p>
+                      <a:pPr algn="ctr" fontAlgn="base"/>
+                      <a:r>
+                        <a:rPr lang="en-IN" sz="3200" b="0" dirty="0">
+                          <a:effectLst/>
+                        </a:rPr>
+                        <a:t>(e.g., MUI, Chakra)</a:t>
+                      </a:r>
+                      <a:endParaRPr lang="en-IN" sz="3200" b="0" dirty="0">
+                        <a:effectLst/>
+                        <a:latin typeface="inherit"/>
+                      </a:endParaRPr>
+                    </a:p>
+                  </a:txBody>
+                  <a:tcPr anchor="ctr"/>
+                </a:tc>
+                <a:tc>
+                  <a:txBody>
+                    <a:bodyPr/>
+                    <a:lstStyle/>
+                    <a:p>
+                      <a:pPr fontAlgn="base"/>
+                      <a:r>
+                        <a:rPr lang="en-IN" sz="2800" dirty="0">
+                          <a:effectLst/>
+                        </a:rPr>
+                        <a:t>Pre-styled and customizable UI components</a:t>
+                      </a:r>
+                      <a:endParaRPr lang="en-IN" sz="2800" dirty="0">
+                        <a:effectLst/>
+                        <a:latin typeface="inherit"/>
+                      </a:endParaRPr>
+                    </a:p>
+                  </a:txBody>
+                  <a:tcPr/>
+                </a:tc>
+                <a:tc>
+                  <a:txBody>
+                    <a:bodyPr/>
+                    <a:lstStyle/>
+                    <a:p>
+                      <a:pPr fontAlgn="base"/>
+                      <a:r>
+                        <a:rPr lang="en-IN" sz="2800">
+                          <a:effectLst/>
+                        </a:rPr>
+                        <a:t>Consistent design, extensive component library, theming support</a:t>
+                      </a:r>
+                      <a:endParaRPr lang="en-IN" sz="2800">
+                        <a:effectLst/>
+                        <a:latin typeface="inherit"/>
+                      </a:endParaRPr>
+                    </a:p>
+                  </a:txBody>
+                  <a:tcPr/>
+                </a:tc>
+                <a:tc>
+                  <a:txBody>
+                    <a:bodyPr/>
+                    <a:lstStyle/>
+                    <a:p>
+                      <a:pPr fontAlgn="base"/>
+                      <a:r>
+                        <a:rPr lang="en-IN" sz="2800">
+                          <a:effectLst/>
+                        </a:rPr>
+                        <a:t>Limited customization options, larger bundle size</a:t>
+                      </a:r>
+                      <a:endParaRPr lang="en-IN" sz="2800">
+                        <a:effectLst/>
+                        <a:latin typeface="inherit"/>
+                      </a:endParaRPr>
+                    </a:p>
+                  </a:txBody>
+                  <a:tcPr/>
+                </a:tc>
+                <a:tc>
+                  <a:txBody>
+                    <a:bodyPr/>
+                    <a:lstStyle/>
+                    <a:p>
+                      <a:pPr fontAlgn="base"/>
+                      <a:r>
+                        <a:rPr lang="en-IN" sz="2800" dirty="0">
+                          <a:effectLst/>
+                        </a:rPr>
+                        <a:t>Projects requiring ready-to-use UI components with theming support</a:t>
+                      </a:r>
+                      <a:endParaRPr lang="en-IN" sz="2800" dirty="0">
+                        <a:effectLst/>
+                        <a:latin typeface="inherit"/>
+                      </a:endParaRPr>
+                    </a:p>
+                  </a:txBody>
+                  <a:tcPr/>
+                </a:tc>
+                <a:extLst>
+                  <a:ext uri="{0D108BD9-81ED-4DB2-BD59-A6C34878D82A}">
+                    <a16:rowId xmlns:a16="http://schemas.microsoft.com/office/drawing/2014/main" val="1634301411"/>
+                  </a:ext>
+                </a:extLst>
+              </a:tr>
+            </a:tbl>
+          </a:graphicData>
+        </a:graphic>
+      </p:graphicFrame>
+      <p:sp>
+        <p:nvSpPr>
+          <p:cNvPr id="7" name="SlideModel shp273">
+            <a:extLst>
+              <a:ext uri="{FF2B5EF4-FFF2-40B4-BE49-F238E27FC236}">
+                <a16:creationId xmlns:a16="http://schemas.microsoft.com/office/drawing/2014/main" id="{EACAD8FF-78D7-201D-DF55-99E7666D4DDE}"/>
+              </a:ext>
+            </a:extLst>
+          </p:cNvPr>
+          <p:cNvSpPr>
+            <a:spLocks noGrp="1"/>
+          </p:cNvSpPr>
+          <p:nvPr>
+            <p:ph type="title"/>
+          </p:nvPr>
+        </p:nvSpPr>
+        <p:spPr>
+          <a:xfrm>
+            <a:off x="1264484" y="521864"/>
+            <a:ext cx="21892696" cy="1236770"/>
+          </a:xfrm>
+        </p:spPr>
+        <p:txBody>
+          <a:bodyPr/>
+          <a:lstStyle/>
+          <a:p>
+            <a:r>
+              <a:rPr lang="en-IN" dirty="0"/>
+              <a:t>Style a React Application – Different Options Compared</a:t>
+            </a:r>
+            <a:endParaRPr lang="es-UY" dirty="0"/>
+          </a:p>
+        </p:txBody>
+      </p:sp>
+    </p:spTree>
+    <p:extLst>
+      <p:ext uri="{BB962C8B-B14F-4D97-AF65-F5344CB8AC3E}">
+        <p14:creationId xmlns:p14="http://schemas.microsoft.com/office/powerpoint/2010/main" val="2779601682"/>
+      </p:ext>
+    </p:extLst>
+  </p:cSld>
+  <p:clrMapOvr>
+    <a:masterClrMapping/>
+  </p:clrMapOvr>
+</p:sld>
+</file>
+
 <file path=ppt/theme/theme1.xml><?xml version="1.0" encoding="utf-8"?>
 <a:theme xmlns:a="http://schemas.openxmlformats.org/drawingml/2006/main" name="Office Theme">
   <a:themeElements>
